--- a/docs/LVL0 DFD Admin.pptx
+++ b/docs/LVL0 DFD Admin.pptx
@@ -7,6 +7,7 @@
   <p:sldIdLst>
     <p:sldId id="256" r:id="rId2"/>
     <p:sldId id="257" r:id="rId3"/>
+    <p:sldId id="258" r:id="rId4"/>
   </p:sldIdLst>
   <p:sldSz cx="12192000" cy="6858000"/>
   <p:notesSz cx="6858000" cy="9144000"/>
@@ -242,7 +243,7 @@
           <a:p>
             <a:fld id="{7C601B6D-693A-43A7-8B5B-32044D8C78B0}" type="datetimeFigureOut">
               <a:rPr lang="en-US" smtClean="0"/>
-              <a:t>10/5/2022</a:t>
+              <a:t>10/6/2022</a:t>
             </a:fld>
             <a:endParaRPr lang="en-US"/>
           </a:p>
@@ -410,7 +411,7 @@
           <a:p>
             <a:fld id="{7C601B6D-693A-43A7-8B5B-32044D8C78B0}" type="datetimeFigureOut">
               <a:rPr lang="en-US" smtClean="0"/>
-              <a:t>10/5/2022</a:t>
+              <a:t>10/6/2022</a:t>
             </a:fld>
             <a:endParaRPr lang="en-US"/>
           </a:p>
@@ -588,7 +589,7 @@
           <a:p>
             <a:fld id="{7C601B6D-693A-43A7-8B5B-32044D8C78B0}" type="datetimeFigureOut">
               <a:rPr lang="en-US" smtClean="0"/>
-              <a:t>10/5/2022</a:t>
+              <a:t>10/6/2022</a:t>
             </a:fld>
             <a:endParaRPr lang="en-US"/>
           </a:p>
@@ -756,7 +757,7 @@
           <a:p>
             <a:fld id="{7C601B6D-693A-43A7-8B5B-32044D8C78B0}" type="datetimeFigureOut">
               <a:rPr lang="en-US" smtClean="0"/>
-              <a:t>10/5/2022</a:t>
+              <a:t>10/6/2022</a:t>
             </a:fld>
             <a:endParaRPr lang="en-US"/>
           </a:p>
@@ -1001,7 +1002,7 @@
           <a:p>
             <a:fld id="{7C601B6D-693A-43A7-8B5B-32044D8C78B0}" type="datetimeFigureOut">
               <a:rPr lang="en-US" smtClean="0"/>
-              <a:t>10/5/2022</a:t>
+              <a:t>10/6/2022</a:t>
             </a:fld>
             <a:endParaRPr lang="en-US"/>
           </a:p>
@@ -1230,7 +1231,7 @@
           <a:p>
             <a:fld id="{7C601B6D-693A-43A7-8B5B-32044D8C78B0}" type="datetimeFigureOut">
               <a:rPr lang="en-US" smtClean="0"/>
-              <a:t>10/5/2022</a:t>
+              <a:t>10/6/2022</a:t>
             </a:fld>
             <a:endParaRPr lang="en-US"/>
           </a:p>
@@ -1594,7 +1595,7 @@
           <a:p>
             <a:fld id="{7C601B6D-693A-43A7-8B5B-32044D8C78B0}" type="datetimeFigureOut">
               <a:rPr lang="en-US" smtClean="0"/>
-              <a:t>10/5/2022</a:t>
+              <a:t>10/6/2022</a:t>
             </a:fld>
             <a:endParaRPr lang="en-US"/>
           </a:p>
@@ -1711,7 +1712,7 @@
           <a:p>
             <a:fld id="{7C601B6D-693A-43A7-8B5B-32044D8C78B0}" type="datetimeFigureOut">
               <a:rPr lang="en-US" smtClean="0"/>
-              <a:t>10/5/2022</a:t>
+              <a:t>10/6/2022</a:t>
             </a:fld>
             <a:endParaRPr lang="en-US"/>
           </a:p>
@@ -1806,7 +1807,7 @@
           <a:p>
             <a:fld id="{7C601B6D-693A-43A7-8B5B-32044D8C78B0}" type="datetimeFigureOut">
               <a:rPr lang="en-US" smtClean="0"/>
-              <a:t>10/5/2022</a:t>
+              <a:t>10/6/2022</a:t>
             </a:fld>
             <a:endParaRPr lang="en-US"/>
           </a:p>
@@ -2081,7 +2082,7 @@
           <a:p>
             <a:fld id="{7C601B6D-693A-43A7-8B5B-32044D8C78B0}" type="datetimeFigureOut">
               <a:rPr lang="en-US" smtClean="0"/>
-              <a:t>10/5/2022</a:t>
+              <a:t>10/6/2022</a:t>
             </a:fld>
             <a:endParaRPr lang="en-US"/>
           </a:p>
@@ -2333,7 +2334,7 @@
           <a:p>
             <a:fld id="{7C601B6D-693A-43A7-8B5B-32044D8C78B0}" type="datetimeFigureOut">
               <a:rPr lang="en-US" smtClean="0"/>
-              <a:t>10/5/2022</a:t>
+              <a:t>10/6/2022</a:t>
             </a:fld>
             <a:endParaRPr lang="en-US"/>
           </a:p>
@@ -2544,7 +2545,7 @@
           <a:p>
             <a:fld id="{7C601B6D-693A-43A7-8B5B-32044D8C78B0}" type="datetimeFigureOut">
               <a:rPr lang="en-US" smtClean="0"/>
-              <a:t>10/5/2022</a:t>
+              <a:t>10/6/2022</a:t>
             </a:fld>
             <a:endParaRPr lang="en-US"/>
           </a:p>
@@ -3371,7 +3372,7 @@
             <a:off x="4579758" y="2791151"/>
             <a:ext cx="968411" cy="858362"/>
             <a:chOff x="2946400" y="725316"/>
-            <a:chExt cx="1752600" cy="1405953"/>
+            <a:chExt cx="1752600" cy="1405952"/>
           </a:xfrm>
         </p:grpSpPr>
         <p:grpSp>
@@ -3518,7 +3519,7 @@
           <p:spPr>
             <a:xfrm>
               <a:off x="2946400" y="1072612"/>
-              <a:ext cx="1752598" cy="1058657"/>
+              <a:ext cx="1752598" cy="1058656"/>
             </a:xfrm>
             <a:prstGeom prst="rect">
               <a:avLst/>
@@ -3538,7 +3539,7 @@
                     <a:schemeClr val="bg1"/>
                   </a:solidFill>
                 </a:rPr>
-                <a:t>Add, Edit, Delete Applications</a:t>
+                <a:t>Update, Delete Applications</a:t>
               </a:r>
             </a:p>
           </p:txBody>
@@ -3722,7 +3723,7 @@
                     <a:schemeClr val="bg1"/>
                   </a:solidFill>
                 </a:rPr>
-                <a:t>Add, Edit, Delete Renewals</a:t>
+                <a:t>Update, Delete Renewals</a:t>
               </a:r>
             </a:p>
           </p:txBody>
@@ -5063,8 +5064,8 @@
         </p:nvCxnSpPr>
         <p:spPr>
           <a:xfrm rot="10800000">
-            <a:off x="2848488" y="1256048"/>
-            <a:ext cx="1731271" cy="2070301"/>
+            <a:off x="2848492" y="1256050"/>
+            <a:ext cx="1731267" cy="2070299"/>
           </a:xfrm>
           <a:prstGeom prst="bentConnector2">
             <a:avLst/>
@@ -5203,10 +5204,10 @@
         </p:nvGrpSpPr>
         <p:grpSpPr>
           <a:xfrm>
-            <a:off x="4579758" y="1546549"/>
-            <a:ext cx="968411" cy="858362"/>
-            <a:chOff x="2946400" y="725316"/>
-            <a:chExt cx="1752600" cy="1405953"/>
+            <a:off x="4470403" y="1546549"/>
+            <a:ext cx="1177580" cy="813264"/>
+            <a:chOff x="2748493" y="725316"/>
+            <a:chExt cx="2131147" cy="1332084"/>
           </a:xfrm>
         </p:grpSpPr>
         <p:grpSp>
@@ -5339,7 +5340,7 @@
                     <a:schemeClr val="bg1"/>
                   </a:solidFill>
                 </a:rPr>
-                <a:t>3</a:t>
+                <a:t>5</a:t>
               </a:r>
             </a:p>
           </p:txBody>
@@ -5352,8 +5353,8 @@
           </p:nvSpPr>
           <p:spPr>
             <a:xfrm>
-              <a:off x="2946400" y="1072612"/>
-              <a:ext cx="1752598" cy="1058657"/>
+              <a:off x="2748493" y="1183560"/>
+              <a:ext cx="2131147" cy="756183"/>
             </a:xfrm>
             <a:prstGeom prst="rect">
               <a:avLst/>
@@ -5373,7 +5374,7 @@
                     <a:schemeClr val="bg1"/>
                   </a:solidFill>
                 </a:rPr>
-                <a:t>Add, Edit, Delete Applications</a:t>
+                <a:t>Update, Delete Organizations</a:t>
               </a:r>
             </a:p>
           </p:txBody>
@@ -5523,7 +5524,7 @@
                     <a:schemeClr val="bg1"/>
                   </a:solidFill>
                 </a:rPr>
-                <a:t>4</a:t>
+                <a:t>6</a:t>
               </a:r>
             </a:p>
           </p:txBody>
@@ -5557,7 +5558,7 @@
                     <a:schemeClr val="bg1"/>
                   </a:solidFill>
                 </a:rPr>
-                <a:t>Add, Edit, Delete Renewals</a:t>
+                <a:t>Updated, Delete Events</a:t>
               </a:r>
             </a:p>
           </p:txBody>
@@ -5621,7 +5622,7 @@
               <a:pPr algn="ctr"/>
               <a:r>
                 <a:rPr lang="en-US" dirty="0" err="1"/>
-                <a:t>tblapplications</a:t>
+                <a:t>tblorganizations</a:t>
               </a:r>
               <a:endParaRPr lang="en-US" dirty="0"/>
             </a:p>
@@ -5665,7 +5666,7 @@
               <a:pPr algn="ctr"/>
               <a:r>
                 <a:rPr lang="en-US" dirty="0"/>
-                <a:t>T2</a:t>
+                <a:t>T4</a:t>
               </a:r>
             </a:p>
           </p:txBody>
@@ -5729,7 +5730,7 @@
               <a:pPr algn="ctr"/>
               <a:r>
                 <a:rPr lang="en-US" dirty="0" err="1"/>
-                <a:t>tblrenewals</a:t>
+                <a:t>tblevents</a:t>
               </a:r>
               <a:endParaRPr lang="en-US" dirty="0"/>
             </a:p>
@@ -5773,7 +5774,7 @@
               <a:pPr algn="ctr"/>
               <a:r>
                 <a:rPr lang="en-US" dirty="0"/>
-                <a:t>T3</a:t>
+                <a:t>T5</a:t>
               </a:r>
             </a:p>
           </p:txBody>
@@ -5844,7 +5845,7 @@
                   <a:srgbClr val="5B9BD5"/>
                 </a:solidFill>
               </a:rPr>
-              <a:t>VIEW RENEWALS</a:t>
+              <a:t>VIEW EVENTS</a:t>
             </a:r>
           </a:p>
         </p:txBody>
@@ -6305,8 +6306,8 @@
         </p:nvCxnSpPr>
         <p:spPr>
           <a:xfrm rot="10800000">
-            <a:off x="2717800" y="1256048"/>
-            <a:ext cx="1861958" cy="825699"/>
+            <a:off x="2717801" y="1256047"/>
+            <a:ext cx="1752603" cy="801102"/>
           </a:xfrm>
           <a:prstGeom prst="bentConnector2">
             <a:avLst/>
@@ -6359,15 +6360,1889 @@
                   <a:srgbClr val="5B9BD5"/>
                 </a:solidFill>
               </a:rPr>
-              <a:t>VIEW APPLICATIONS</a:t>
-            </a:r>
-          </a:p>
-        </p:txBody>
-      </p:sp>
+              <a:t>VIEW ORGANIZATIONS</a:t>
+            </a:r>
+          </a:p>
+        </p:txBody>
+      </p:sp>
+      <p:grpSp>
+        <p:nvGrpSpPr>
+          <p:cNvPr id="5" name="Group 4">
+            <a:extLst>
+              <a:ext uri="{FF2B5EF4-FFF2-40B4-BE49-F238E27FC236}">
+                <a16:creationId xmlns:a16="http://schemas.microsoft.com/office/drawing/2014/main" id="{7901BC83-0255-E9EE-24A4-0BDF5BD84F91}"/>
+              </a:ext>
+            </a:extLst>
+          </p:cNvPr>
+          <p:cNvGrpSpPr/>
+          <p:nvPr/>
+        </p:nvGrpSpPr>
+        <p:grpSpPr>
+          <a:xfrm>
+            <a:off x="4575224" y="4523486"/>
+            <a:ext cx="967325" cy="808694"/>
+            <a:chOff x="2938149" y="725075"/>
+            <a:chExt cx="1760851" cy="1332325"/>
+          </a:xfrm>
+        </p:grpSpPr>
+        <p:grpSp>
+          <p:nvGrpSpPr>
+            <p:cNvPr id="7" name="Group 6">
+              <a:extLst>
+                <a:ext uri="{FF2B5EF4-FFF2-40B4-BE49-F238E27FC236}">
+                  <a16:creationId xmlns:a16="http://schemas.microsoft.com/office/drawing/2014/main" id="{E6C58DF0-76D7-D817-453C-53876BFD1127}"/>
+                </a:ext>
+              </a:extLst>
+            </p:cNvPr>
+            <p:cNvGrpSpPr/>
+            <p:nvPr/>
+          </p:nvGrpSpPr>
+          <p:grpSpPr>
+            <a:xfrm>
+              <a:off x="2946400" y="762000"/>
+              <a:ext cx="1752600" cy="1295400"/>
+              <a:chOff x="2946400" y="762000"/>
+              <a:chExt cx="1346200" cy="1016000"/>
+            </a:xfrm>
+          </p:grpSpPr>
+          <p:sp>
+            <p:nvSpPr>
+              <p:cNvPr id="10" name="Rectangle 9">
+                <a:extLst>
+                  <a:ext uri="{FF2B5EF4-FFF2-40B4-BE49-F238E27FC236}">
+                    <a16:creationId xmlns:a16="http://schemas.microsoft.com/office/drawing/2014/main" id="{74AF0540-76E5-5FDD-03CC-44D9F4E512B6}"/>
+                  </a:ext>
+                </a:extLst>
+              </p:cNvPr>
+              <p:cNvSpPr/>
+              <p:nvPr/>
+            </p:nvSpPr>
+            <p:spPr>
+              <a:xfrm>
+                <a:off x="2946400" y="762000"/>
+                <a:ext cx="1346200" cy="1016000"/>
+              </a:xfrm>
+              <a:prstGeom prst="rect">
+                <a:avLst/>
+              </a:prstGeom>
+              <a:solidFill>
+                <a:schemeClr val="accent1">
+                  <a:lumMod val="60000"/>
+                  <a:lumOff val="40000"/>
+                </a:schemeClr>
+              </a:solidFill>
+            </p:spPr>
+            <p:style>
+              <a:lnRef idx="2">
+                <a:schemeClr val="accent1">
+                  <a:shade val="50000"/>
+                </a:schemeClr>
+              </a:lnRef>
+              <a:fillRef idx="1">
+                <a:schemeClr val="accent1"/>
+              </a:fillRef>
+              <a:effectRef idx="0">
+                <a:schemeClr val="accent1"/>
+              </a:effectRef>
+              <a:fontRef idx="minor">
+                <a:schemeClr val="lt1"/>
+              </a:fontRef>
+            </p:style>
+            <p:txBody>
+              <a:bodyPr rtlCol="0" anchor="ctr"/>
+              <a:lstStyle/>
+              <a:p>
+                <a:pPr algn="ctr"/>
+                <a:endParaRPr lang="en-US" sz="1200"/>
+              </a:p>
+            </p:txBody>
+          </p:sp>
+          <p:sp>
+            <p:nvSpPr>
+              <p:cNvPr id="11" name="Rectangle 10">
+                <a:extLst>
+                  <a:ext uri="{FF2B5EF4-FFF2-40B4-BE49-F238E27FC236}">
+                    <a16:creationId xmlns:a16="http://schemas.microsoft.com/office/drawing/2014/main" id="{7C99C74B-8E14-1AAC-F264-FC073D604C0F}"/>
+                  </a:ext>
+                </a:extLst>
+              </p:cNvPr>
+              <p:cNvSpPr/>
+              <p:nvPr/>
+            </p:nvSpPr>
+            <p:spPr>
+              <a:xfrm>
+                <a:off x="2946400" y="762000"/>
+                <a:ext cx="1346200" cy="266700"/>
+              </a:xfrm>
+              <a:prstGeom prst="rect">
+                <a:avLst/>
+              </a:prstGeom>
+            </p:spPr>
+            <p:style>
+              <a:lnRef idx="2">
+                <a:schemeClr val="accent1">
+                  <a:shade val="50000"/>
+                </a:schemeClr>
+              </a:lnRef>
+              <a:fillRef idx="1">
+                <a:schemeClr val="accent1"/>
+              </a:fillRef>
+              <a:effectRef idx="0">
+                <a:schemeClr val="accent1"/>
+              </a:effectRef>
+              <a:fontRef idx="minor">
+                <a:schemeClr val="lt1"/>
+              </a:fontRef>
+            </p:style>
+            <p:txBody>
+              <a:bodyPr rtlCol="0" anchor="ctr"/>
+              <a:lstStyle/>
+              <a:p>
+                <a:pPr algn="ctr"/>
+                <a:endParaRPr lang="en-US" sz="1200"/>
+              </a:p>
+            </p:txBody>
+          </p:sp>
+        </p:grpSp>
+        <p:sp>
+          <p:nvSpPr>
+            <p:cNvPr id="8" name="TextBox 7">
+              <a:extLst>
+                <a:ext uri="{FF2B5EF4-FFF2-40B4-BE49-F238E27FC236}">
+                  <a16:creationId xmlns:a16="http://schemas.microsoft.com/office/drawing/2014/main" id="{4DBAF264-8F89-CE38-163F-C9D267962BB5}"/>
+                </a:ext>
+              </a:extLst>
+            </p:cNvPr>
+            <p:cNvSpPr txBox="1"/>
+            <p:nvPr/>
+          </p:nvSpPr>
+          <p:spPr>
+            <a:xfrm>
+              <a:off x="3263900" y="725075"/>
+              <a:ext cx="1117600" cy="456356"/>
+            </a:xfrm>
+            <a:prstGeom prst="rect">
+              <a:avLst/>
+            </a:prstGeom>
+            <a:noFill/>
+          </p:spPr>
+          <p:txBody>
+            <a:bodyPr wrap="square" rtlCol="0">
+              <a:spAutoFit/>
+            </a:bodyPr>
+            <a:lstStyle/>
+            <a:p>
+              <a:pPr algn="ctr"/>
+              <a:r>
+                <a:rPr lang="en-US" sz="1200" dirty="0">
+                  <a:solidFill>
+                    <a:schemeClr val="bg1"/>
+                  </a:solidFill>
+                </a:rPr>
+                <a:t>7</a:t>
+              </a:r>
+            </a:p>
+          </p:txBody>
+        </p:sp>
+        <p:sp>
+          <p:nvSpPr>
+            <p:cNvPr id="9" name="TextBox 8">
+              <a:extLst>
+                <a:ext uri="{FF2B5EF4-FFF2-40B4-BE49-F238E27FC236}">
+                  <a16:creationId xmlns:a16="http://schemas.microsoft.com/office/drawing/2014/main" id="{FF195EC1-82B2-7ABA-80E0-E9454B8296B1}"/>
+                </a:ext>
+              </a:extLst>
+            </p:cNvPr>
+            <p:cNvSpPr txBox="1"/>
+            <p:nvPr/>
+          </p:nvSpPr>
+          <p:spPr>
+            <a:xfrm>
+              <a:off x="2938149" y="1059554"/>
+              <a:ext cx="1760849" cy="836652"/>
+            </a:xfrm>
+            <a:prstGeom prst="rect">
+              <a:avLst/>
+            </a:prstGeom>
+            <a:noFill/>
+          </p:spPr>
+          <p:txBody>
+            <a:bodyPr wrap="square" rtlCol="0">
+              <a:spAutoFit/>
+            </a:bodyPr>
+            <a:lstStyle/>
+            <a:p>
+              <a:pPr algn="ctr"/>
+              <a:r>
+                <a:rPr lang="en-US" sz="900" dirty="0">
+                  <a:solidFill>
+                    <a:schemeClr val="bg1"/>
+                  </a:solidFill>
+                </a:rPr>
+                <a:t>Add, Update, Delete Announcements</a:t>
+              </a:r>
+            </a:p>
+          </p:txBody>
+        </p:sp>
+      </p:grpSp>
+      <p:grpSp>
+        <p:nvGrpSpPr>
+          <p:cNvPr id="12" name="Group 11">
+            <a:extLst>
+              <a:ext uri="{FF2B5EF4-FFF2-40B4-BE49-F238E27FC236}">
+                <a16:creationId xmlns:a16="http://schemas.microsoft.com/office/drawing/2014/main" id="{61C19E18-7AFC-B7E3-EAFA-B386420EE89E}"/>
+              </a:ext>
+            </a:extLst>
+          </p:cNvPr>
+          <p:cNvGrpSpPr/>
+          <p:nvPr/>
+        </p:nvGrpSpPr>
+        <p:grpSpPr>
+          <a:xfrm>
+            <a:off x="7721599" y="4661935"/>
+            <a:ext cx="2413001" cy="544396"/>
+            <a:chOff x="4851399" y="419684"/>
+            <a:chExt cx="2413001" cy="544396"/>
+          </a:xfrm>
+        </p:grpSpPr>
+        <p:sp>
+          <p:nvSpPr>
+            <p:cNvPr id="13" name="Rectangle 12">
+              <a:extLst>
+                <a:ext uri="{FF2B5EF4-FFF2-40B4-BE49-F238E27FC236}">
+                  <a16:creationId xmlns:a16="http://schemas.microsoft.com/office/drawing/2014/main" id="{37260A9F-097D-ACDA-C618-0EBD9CE54098}"/>
+                </a:ext>
+              </a:extLst>
+            </p:cNvPr>
+            <p:cNvSpPr/>
+            <p:nvPr/>
+          </p:nvSpPr>
+          <p:spPr>
+            <a:xfrm>
+              <a:off x="5384800" y="419685"/>
+              <a:ext cx="1879600" cy="544395"/>
+            </a:xfrm>
+            <a:prstGeom prst="rect">
+              <a:avLst/>
+            </a:prstGeom>
+            <a:solidFill>
+              <a:schemeClr val="accent1">
+                <a:lumMod val="60000"/>
+                <a:lumOff val="40000"/>
+              </a:schemeClr>
+            </a:solidFill>
+          </p:spPr>
+          <p:style>
+            <a:lnRef idx="2">
+              <a:schemeClr val="accent1">
+                <a:shade val="50000"/>
+              </a:schemeClr>
+            </a:lnRef>
+            <a:fillRef idx="1">
+              <a:schemeClr val="accent1"/>
+            </a:fillRef>
+            <a:effectRef idx="0">
+              <a:schemeClr val="accent1"/>
+            </a:effectRef>
+            <a:fontRef idx="minor">
+              <a:schemeClr val="lt1"/>
+            </a:fontRef>
+          </p:style>
+          <p:txBody>
+            <a:bodyPr rtlCol="0" anchor="ctr"/>
+            <a:lstStyle/>
+            <a:p>
+              <a:pPr algn="ctr"/>
+              <a:r>
+                <a:rPr lang="en-US" sz="1600" dirty="0" err="1"/>
+                <a:t>tblannouncements</a:t>
+              </a:r>
+              <a:endParaRPr lang="en-US" sz="1600" dirty="0"/>
+            </a:p>
+          </p:txBody>
+        </p:sp>
+        <p:sp>
+          <p:nvSpPr>
+            <p:cNvPr id="14" name="Rectangle 13">
+              <a:extLst>
+                <a:ext uri="{FF2B5EF4-FFF2-40B4-BE49-F238E27FC236}">
+                  <a16:creationId xmlns:a16="http://schemas.microsoft.com/office/drawing/2014/main" id="{E37C615F-88DF-DDEF-3EE6-14AE2D8EAC1B}"/>
+                </a:ext>
+              </a:extLst>
+            </p:cNvPr>
+            <p:cNvSpPr/>
+            <p:nvPr/>
+          </p:nvSpPr>
+          <p:spPr>
+            <a:xfrm>
+              <a:off x="4851399" y="419684"/>
+              <a:ext cx="533401" cy="544395"/>
+            </a:xfrm>
+            <a:prstGeom prst="rect">
+              <a:avLst/>
+            </a:prstGeom>
+          </p:spPr>
+          <p:style>
+            <a:lnRef idx="2">
+              <a:schemeClr val="accent1">
+                <a:shade val="50000"/>
+              </a:schemeClr>
+            </a:lnRef>
+            <a:fillRef idx="1">
+              <a:schemeClr val="accent1"/>
+            </a:fillRef>
+            <a:effectRef idx="0">
+              <a:schemeClr val="accent1"/>
+            </a:effectRef>
+            <a:fontRef idx="minor">
+              <a:schemeClr val="lt1"/>
+            </a:fontRef>
+          </p:style>
+          <p:txBody>
+            <a:bodyPr rtlCol="0" anchor="ctr"/>
+            <a:lstStyle/>
+            <a:p>
+              <a:pPr algn="ctr"/>
+              <a:r>
+                <a:rPr lang="en-US" dirty="0"/>
+                <a:t>T6</a:t>
+              </a:r>
+            </a:p>
+          </p:txBody>
+        </p:sp>
+      </p:grpSp>
+      <p:cxnSp>
+        <p:nvCxnSpPr>
+          <p:cNvPr id="15" name="Straight Arrow Connector 14">
+            <a:extLst>
+              <a:ext uri="{FF2B5EF4-FFF2-40B4-BE49-F238E27FC236}">
+                <a16:creationId xmlns:a16="http://schemas.microsoft.com/office/drawing/2014/main" id="{F5547560-2E41-98F4-A3BD-80E4A305E692}"/>
+              </a:ext>
+            </a:extLst>
+          </p:cNvPr>
+          <p:cNvCxnSpPr/>
+          <p:nvPr/>
+        </p:nvCxnSpPr>
+        <p:spPr>
+          <a:xfrm flipV="1">
+            <a:off x="5547083" y="4795355"/>
+            <a:ext cx="2161408" cy="1"/>
+          </a:xfrm>
+          <a:prstGeom prst="straightConnector1">
+            <a:avLst/>
+          </a:prstGeom>
+          <a:ln>
+            <a:tailEnd type="triangle"/>
+          </a:ln>
+        </p:spPr>
+        <p:style>
+          <a:lnRef idx="3">
+            <a:schemeClr val="accent1"/>
+          </a:lnRef>
+          <a:fillRef idx="0">
+            <a:schemeClr val="accent1"/>
+          </a:fillRef>
+          <a:effectRef idx="2">
+            <a:schemeClr val="accent1"/>
+          </a:effectRef>
+          <a:fontRef idx="minor">
+            <a:schemeClr val="tx1"/>
+          </a:fontRef>
+        </p:style>
+      </p:cxnSp>
+      <p:cxnSp>
+        <p:nvCxnSpPr>
+          <p:cNvPr id="16" name="Straight Arrow Connector 15">
+            <a:extLst>
+              <a:ext uri="{FF2B5EF4-FFF2-40B4-BE49-F238E27FC236}">
+                <a16:creationId xmlns:a16="http://schemas.microsoft.com/office/drawing/2014/main" id="{560DA771-F516-9C72-3E7A-09AEC62557D5}"/>
+              </a:ext>
+            </a:extLst>
+          </p:cNvPr>
+          <p:cNvCxnSpPr/>
+          <p:nvPr/>
+        </p:nvCxnSpPr>
+        <p:spPr>
+          <a:xfrm flipH="1" flipV="1">
+            <a:off x="5532791" y="5143017"/>
+            <a:ext cx="2161408" cy="1"/>
+          </a:xfrm>
+          <a:prstGeom prst="straightConnector1">
+            <a:avLst/>
+          </a:prstGeom>
+          <a:ln>
+            <a:tailEnd type="triangle"/>
+          </a:ln>
+        </p:spPr>
+        <p:style>
+          <a:lnRef idx="3">
+            <a:schemeClr val="accent1"/>
+          </a:lnRef>
+          <a:fillRef idx="0">
+            <a:schemeClr val="accent1"/>
+          </a:fillRef>
+          <a:effectRef idx="2">
+            <a:schemeClr val="accent1"/>
+          </a:effectRef>
+          <a:fontRef idx="minor">
+            <a:schemeClr val="tx1"/>
+          </a:fontRef>
+        </p:style>
+      </p:cxnSp>
+      <p:sp>
+        <p:nvSpPr>
+          <p:cNvPr id="17" name="TextBox 16">
+            <a:extLst>
+              <a:ext uri="{FF2B5EF4-FFF2-40B4-BE49-F238E27FC236}">
+                <a16:creationId xmlns:a16="http://schemas.microsoft.com/office/drawing/2014/main" id="{F673AE77-12E2-6A5B-2A8C-3C441F78173E}"/>
+              </a:ext>
+            </a:extLst>
+          </p:cNvPr>
+          <p:cNvSpPr txBox="1"/>
+          <p:nvPr/>
+        </p:nvSpPr>
+        <p:spPr>
+          <a:xfrm>
+            <a:off x="5649169" y="4558841"/>
+            <a:ext cx="1833459" cy="276999"/>
+          </a:xfrm>
+          <a:prstGeom prst="rect">
+            <a:avLst/>
+          </a:prstGeom>
+          <a:noFill/>
+        </p:spPr>
+        <p:txBody>
+          <a:bodyPr wrap="square" rtlCol="0">
+            <a:spAutoFit/>
+          </a:bodyPr>
+          <a:lstStyle/>
+          <a:p>
+            <a:pPr algn="ctr"/>
+            <a:r>
+              <a:rPr lang="en-US" sz="1200" b="1" dirty="0">
+                <a:solidFill>
+                  <a:srgbClr val="5B9BD5"/>
+                </a:solidFill>
+              </a:rPr>
+              <a:t>DATA</a:t>
+            </a:r>
+          </a:p>
+        </p:txBody>
+      </p:sp>
+      <p:sp>
+        <p:nvSpPr>
+          <p:cNvPr id="18" name="TextBox 17">
+            <a:extLst>
+              <a:ext uri="{FF2B5EF4-FFF2-40B4-BE49-F238E27FC236}">
+                <a16:creationId xmlns:a16="http://schemas.microsoft.com/office/drawing/2014/main" id="{D141B1DE-49CA-FD9E-1E81-7689FA36B226}"/>
+              </a:ext>
+            </a:extLst>
+          </p:cNvPr>
+          <p:cNvSpPr txBox="1"/>
+          <p:nvPr/>
+        </p:nvSpPr>
+        <p:spPr>
+          <a:xfrm>
+            <a:off x="5649169" y="4891243"/>
+            <a:ext cx="1833459" cy="276999"/>
+          </a:xfrm>
+          <a:prstGeom prst="rect">
+            <a:avLst/>
+          </a:prstGeom>
+          <a:noFill/>
+        </p:spPr>
+        <p:txBody>
+          <a:bodyPr wrap="square" rtlCol="0">
+            <a:spAutoFit/>
+          </a:bodyPr>
+          <a:lstStyle/>
+          <a:p>
+            <a:pPr algn="ctr"/>
+            <a:r>
+              <a:rPr lang="en-US" sz="1200" b="1" dirty="0">
+                <a:solidFill>
+                  <a:srgbClr val="5B9BD5"/>
+                </a:solidFill>
+              </a:rPr>
+              <a:t>DETAILS</a:t>
+            </a:r>
+          </a:p>
+        </p:txBody>
+      </p:sp>
+      <p:cxnSp>
+        <p:nvCxnSpPr>
+          <p:cNvPr id="31" name="Elbow Connector 54">
+            <a:extLst>
+              <a:ext uri="{FF2B5EF4-FFF2-40B4-BE49-F238E27FC236}">
+                <a16:creationId xmlns:a16="http://schemas.microsoft.com/office/drawing/2014/main" id="{EBD57C54-29EE-4D73-532C-1E915F3A9F15}"/>
+              </a:ext>
+            </a:extLst>
+          </p:cNvPr>
+          <p:cNvCxnSpPr>
+            <a:cxnSpLocks/>
+            <a:stCxn id="9" idx="1"/>
+          </p:cNvCxnSpPr>
+          <p:nvPr/>
+        </p:nvCxnSpPr>
+        <p:spPr>
+          <a:xfrm rot="10800000">
+            <a:off x="2717814" y="1243054"/>
+            <a:ext cx="1857410" cy="3737371"/>
+          </a:xfrm>
+          <a:prstGeom prst="bentConnector2">
+            <a:avLst/>
+          </a:prstGeom>
+          <a:ln>
+            <a:tailEnd type="triangle"/>
+          </a:ln>
+        </p:spPr>
+        <p:style>
+          <a:lnRef idx="3">
+            <a:schemeClr val="accent1"/>
+          </a:lnRef>
+          <a:fillRef idx="0">
+            <a:schemeClr val="accent1"/>
+          </a:fillRef>
+          <a:effectRef idx="2">
+            <a:schemeClr val="accent1"/>
+          </a:effectRef>
+          <a:fontRef idx="minor">
+            <a:schemeClr val="tx1"/>
+          </a:fontRef>
+        </p:style>
+      </p:cxnSp>
+      <p:sp>
+        <p:nvSpPr>
+          <p:cNvPr id="36" name="TextBox 35">
+            <a:extLst>
+              <a:ext uri="{FF2B5EF4-FFF2-40B4-BE49-F238E27FC236}">
+                <a16:creationId xmlns:a16="http://schemas.microsoft.com/office/drawing/2014/main" id="{05FC280E-A753-CCE9-4BD8-924148F08F5E}"/>
+              </a:ext>
+            </a:extLst>
+          </p:cNvPr>
+          <p:cNvSpPr txBox="1"/>
+          <p:nvPr/>
+        </p:nvSpPr>
+        <p:spPr>
+          <a:xfrm>
+            <a:off x="2791903" y="4655908"/>
+            <a:ext cx="1833459" cy="276999"/>
+          </a:xfrm>
+          <a:prstGeom prst="rect">
+            <a:avLst/>
+          </a:prstGeom>
+          <a:noFill/>
+        </p:spPr>
+        <p:txBody>
+          <a:bodyPr wrap="square" rtlCol="0">
+            <a:spAutoFit/>
+          </a:bodyPr>
+          <a:lstStyle/>
+          <a:p>
+            <a:pPr algn="ctr"/>
+            <a:r>
+              <a:rPr lang="en-US" sz="1200" b="1" dirty="0">
+                <a:solidFill>
+                  <a:srgbClr val="5B9BD5"/>
+                </a:solidFill>
+              </a:rPr>
+              <a:t>VIEW ANNOUNCEMENTS</a:t>
+            </a:r>
+          </a:p>
+        </p:txBody>
+      </p:sp>
+      <p:sp>
+        <p:nvSpPr>
+          <p:cNvPr id="37" name="TextBox 36">
+            <a:extLst>
+              <a:ext uri="{FF2B5EF4-FFF2-40B4-BE49-F238E27FC236}">
+                <a16:creationId xmlns:a16="http://schemas.microsoft.com/office/drawing/2014/main" id="{A776A9A1-4D86-6885-0ADC-3CE15AF2D970}"/>
+              </a:ext>
+            </a:extLst>
+          </p:cNvPr>
+          <p:cNvSpPr txBox="1"/>
+          <p:nvPr/>
+        </p:nvSpPr>
+        <p:spPr>
+          <a:xfrm>
+            <a:off x="3807669" y="3861081"/>
+            <a:ext cx="1833459" cy="261610"/>
+          </a:xfrm>
+          <a:prstGeom prst="rect">
+            <a:avLst/>
+          </a:prstGeom>
+          <a:noFill/>
+        </p:spPr>
+        <p:txBody>
+          <a:bodyPr wrap="square" rtlCol="0">
+            <a:spAutoFit/>
+          </a:bodyPr>
+          <a:lstStyle/>
+          <a:p>
+            <a:pPr algn="r"/>
+            <a:r>
+              <a:rPr lang="en-US" sz="1050" b="1" dirty="0">
+                <a:solidFill>
+                  <a:srgbClr val="5B9BD5"/>
+                </a:solidFill>
+              </a:rPr>
+              <a:t>ACCESS</a:t>
+            </a:r>
+          </a:p>
+        </p:txBody>
+      </p:sp>
+      <p:cxnSp>
+        <p:nvCxnSpPr>
+          <p:cNvPr id="38" name="Straight Arrow Connector 37">
+            <a:extLst>
+              <a:ext uri="{FF2B5EF4-FFF2-40B4-BE49-F238E27FC236}">
+                <a16:creationId xmlns:a16="http://schemas.microsoft.com/office/drawing/2014/main" id="{C06FE1FF-CCC7-E749-67D7-36D832097246}"/>
+              </a:ext>
+            </a:extLst>
+          </p:cNvPr>
+          <p:cNvCxnSpPr>
+            <a:cxnSpLocks/>
+          </p:cNvCxnSpPr>
+          <p:nvPr/>
+        </p:nvCxnSpPr>
+        <p:spPr>
+          <a:xfrm>
+            <a:off x="5060361" y="5332906"/>
+            <a:ext cx="0" cy="422482"/>
+          </a:xfrm>
+          <a:prstGeom prst="straightConnector1">
+            <a:avLst/>
+          </a:prstGeom>
+          <a:ln>
+            <a:tailEnd type="triangle"/>
+          </a:ln>
+        </p:spPr>
+        <p:style>
+          <a:lnRef idx="3">
+            <a:schemeClr val="accent1"/>
+          </a:lnRef>
+          <a:fillRef idx="0">
+            <a:schemeClr val="accent1"/>
+          </a:fillRef>
+          <a:effectRef idx="2">
+            <a:schemeClr val="accent1"/>
+          </a:effectRef>
+          <a:fontRef idx="minor">
+            <a:schemeClr val="tx1"/>
+          </a:fontRef>
+        </p:style>
+      </p:cxnSp>
     </p:spTree>
     <p:extLst>
       <p:ext uri="{BB962C8B-B14F-4D97-AF65-F5344CB8AC3E}">
         <p14:creationId xmlns:p14="http://schemas.microsoft.com/office/powerpoint/2010/main" val="63512582"/>
+      </p:ext>
+    </p:extLst>
+  </p:cSld>
+  <p:clrMapOvr>
+    <a:masterClrMapping/>
+  </p:clrMapOvr>
+</p:sld>
+</file>
+
+<file path=ppt/slides/slide3.xml><?xml version="1.0" encoding="utf-8"?>
+<p:sld xmlns:a="http://schemas.openxmlformats.org/drawingml/2006/main" xmlns:r="http://schemas.openxmlformats.org/officeDocument/2006/relationships" xmlns:p="http://schemas.openxmlformats.org/presentationml/2006/main">
+  <p:cSld>
+    <p:spTree>
+      <p:nvGrpSpPr>
+        <p:cNvPr id="1" name=""/>
+        <p:cNvGrpSpPr/>
+        <p:nvPr/>
+      </p:nvGrpSpPr>
+      <p:grpSpPr>
+        <a:xfrm>
+          <a:off x="0" y="0"/>
+          <a:ext cx="0" cy="0"/>
+          <a:chOff x="0" y="0"/>
+          <a:chExt cx="0" cy="0"/>
+        </a:xfrm>
+      </p:grpSpPr>
+      <p:sp>
+        <p:nvSpPr>
+          <p:cNvPr id="6" name="Rectangle 5"/>
+          <p:cNvSpPr/>
+          <p:nvPr/>
+        </p:nvSpPr>
+        <p:spPr>
+          <a:xfrm>
+            <a:off x="2019300" y="519447"/>
+            <a:ext cx="1397000" cy="736600"/>
+          </a:xfrm>
+          <a:prstGeom prst="rect">
+            <a:avLst/>
+          </a:prstGeom>
+        </p:spPr>
+        <p:style>
+          <a:lnRef idx="2">
+            <a:schemeClr val="accent1">
+              <a:shade val="50000"/>
+            </a:schemeClr>
+          </a:lnRef>
+          <a:fillRef idx="1">
+            <a:schemeClr val="accent1"/>
+          </a:fillRef>
+          <a:effectRef idx="0">
+            <a:schemeClr val="accent1"/>
+          </a:effectRef>
+          <a:fontRef idx="minor">
+            <a:schemeClr val="lt1"/>
+          </a:fontRef>
+        </p:style>
+        <p:txBody>
+          <a:bodyPr rtlCol="0" anchor="ctr"/>
+          <a:lstStyle/>
+          <a:p>
+            <a:pPr algn="ctr"/>
+            <a:r>
+              <a:rPr lang="en-US" dirty="0"/>
+              <a:t>Admin</a:t>
+            </a:r>
+          </a:p>
+        </p:txBody>
+      </p:sp>
+      <p:grpSp>
+        <p:nvGrpSpPr>
+          <p:cNvPr id="19" name="Group 18"/>
+          <p:cNvGrpSpPr/>
+          <p:nvPr/>
+        </p:nvGrpSpPr>
+        <p:grpSpPr>
+          <a:xfrm>
+            <a:off x="4579757" y="1546549"/>
+            <a:ext cx="968411" cy="813264"/>
+            <a:chOff x="2946400" y="725316"/>
+            <a:chExt cx="1752600" cy="1332084"/>
+          </a:xfrm>
+        </p:grpSpPr>
+        <p:grpSp>
+          <p:nvGrpSpPr>
+            <p:cNvPr id="20" name="Group 19"/>
+            <p:cNvGrpSpPr/>
+            <p:nvPr/>
+          </p:nvGrpSpPr>
+          <p:grpSpPr>
+            <a:xfrm>
+              <a:off x="2946400" y="762000"/>
+              <a:ext cx="1752600" cy="1295400"/>
+              <a:chOff x="2946400" y="762000"/>
+              <a:chExt cx="1346200" cy="1016000"/>
+            </a:xfrm>
+          </p:grpSpPr>
+          <p:sp>
+            <p:nvSpPr>
+              <p:cNvPr id="23" name="Rectangle 22"/>
+              <p:cNvSpPr/>
+              <p:nvPr/>
+            </p:nvSpPr>
+            <p:spPr>
+              <a:xfrm>
+                <a:off x="2946400" y="762000"/>
+                <a:ext cx="1346200" cy="1016000"/>
+              </a:xfrm>
+              <a:prstGeom prst="rect">
+                <a:avLst/>
+              </a:prstGeom>
+              <a:solidFill>
+                <a:schemeClr val="accent1">
+                  <a:lumMod val="60000"/>
+                  <a:lumOff val="40000"/>
+                </a:schemeClr>
+              </a:solidFill>
+            </p:spPr>
+            <p:style>
+              <a:lnRef idx="2">
+                <a:schemeClr val="accent1">
+                  <a:shade val="50000"/>
+                </a:schemeClr>
+              </a:lnRef>
+              <a:fillRef idx="1">
+                <a:schemeClr val="accent1"/>
+              </a:fillRef>
+              <a:effectRef idx="0">
+                <a:schemeClr val="accent1"/>
+              </a:effectRef>
+              <a:fontRef idx="minor">
+                <a:schemeClr val="lt1"/>
+              </a:fontRef>
+            </p:style>
+            <p:txBody>
+              <a:bodyPr rtlCol="0" anchor="ctr"/>
+              <a:lstStyle/>
+              <a:p>
+                <a:pPr algn="ctr"/>
+                <a:endParaRPr lang="en-US" sz="1200"/>
+              </a:p>
+            </p:txBody>
+          </p:sp>
+          <p:sp>
+            <p:nvSpPr>
+              <p:cNvPr id="24" name="Rectangle 23"/>
+              <p:cNvSpPr/>
+              <p:nvPr/>
+            </p:nvSpPr>
+            <p:spPr>
+              <a:xfrm>
+                <a:off x="2946400" y="762000"/>
+                <a:ext cx="1346200" cy="266700"/>
+              </a:xfrm>
+              <a:prstGeom prst="rect">
+                <a:avLst/>
+              </a:prstGeom>
+            </p:spPr>
+            <p:style>
+              <a:lnRef idx="2">
+                <a:schemeClr val="accent1">
+                  <a:shade val="50000"/>
+                </a:schemeClr>
+              </a:lnRef>
+              <a:fillRef idx="1">
+                <a:schemeClr val="accent1"/>
+              </a:fillRef>
+              <a:effectRef idx="0">
+                <a:schemeClr val="accent1"/>
+              </a:effectRef>
+              <a:fontRef idx="minor">
+                <a:schemeClr val="lt1"/>
+              </a:fontRef>
+            </p:style>
+            <p:txBody>
+              <a:bodyPr rtlCol="0" anchor="ctr"/>
+              <a:lstStyle/>
+              <a:p>
+                <a:pPr algn="ctr"/>
+                <a:endParaRPr lang="en-US" sz="1200"/>
+              </a:p>
+            </p:txBody>
+          </p:sp>
+        </p:grpSp>
+        <p:sp>
+          <p:nvSpPr>
+            <p:cNvPr id="21" name="TextBox 20"/>
+            <p:cNvSpPr txBox="1"/>
+            <p:nvPr/>
+          </p:nvSpPr>
+          <p:spPr>
+            <a:xfrm>
+              <a:off x="3263900" y="725316"/>
+              <a:ext cx="1117599" cy="453709"/>
+            </a:xfrm>
+            <a:prstGeom prst="rect">
+              <a:avLst/>
+            </a:prstGeom>
+            <a:noFill/>
+          </p:spPr>
+          <p:txBody>
+            <a:bodyPr wrap="square" rtlCol="0">
+              <a:spAutoFit/>
+            </a:bodyPr>
+            <a:lstStyle/>
+            <a:p>
+              <a:pPr algn="ctr"/>
+              <a:r>
+                <a:rPr lang="en-US" sz="1200" dirty="0">
+                  <a:solidFill>
+                    <a:schemeClr val="bg1"/>
+                  </a:solidFill>
+                </a:rPr>
+                <a:t>8</a:t>
+              </a:r>
+            </a:p>
+          </p:txBody>
+        </p:sp>
+        <p:sp>
+          <p:nvSpPr>
+            <p:cNvPr id="22" name="TextBox 21"/>
+            <p:cNvSpPr txBox="1"/>
+            <p:nvPr/>
+          </p:nvSpPr>
+          <p:spPr>
+            <a:xfrm>
+              <a:off x="2958507" y="1097833"/>
+              <a:ext cx="1730325" cy="945229"/>
+            </a:xfrm>
+            <a:prstGeom prst="rect">
+              <a:avLst/>
+            </a:prstGeom>
+            <a:noFill/>
+          </p:spPr>
+          <p:txBody>
+            <a:bodyPr wrap="square" rtlCol="0">
+              <a:spAutoFit/>
+            </a:bodyPr>
+            <a:lstStyle/>
+            <a:p>
+              <a:pPr algn="ctr"/>
+              <a:r>
+                <a:rPr lang="en-US" sz="1050" dirty="0">
+                  <a:solidFill>
+                    <a:schemeClr val="bg1"/>
+                  </a:solidFill>
+                </a:rPr>
+                <a:t>Add, Update, Delete Students</a:t>
+              </a:r>
+            </a:p>
+          </p:txBody>
+        </p:sp>
+      </p:grpSp>
+      <p:grpSp>
+        <p:nvGrpSpPr>
+          <p:cNvPr id="25" name="Group 24"/>
+          <p:cNvGrpSpPr/>
+          <p:nvPr/>
+        </p:nvGrpSpPr>
+        <p:grpSpPr>
+          <a:xfrm>
+            <a:off x="4579757" y="2874571"/>
+            <a:ext cx="975901" cy="808694"/>
+            <a:chOff x="2946398" y="725075"/>
+            <a:chExt cx="1776461" cy="1332325"/>
+          </a:xfrm>
+        </p:grpSpPr>
+        <p:grpSp>
+          <p:nvGrpSpPr>
+            <p:cNvPr id="26" name="Group 25"/>
+            <p:cNvGrpSpPr/>
+            <p:nvPr/>
+          </p:nvGrpSpPr>
+          <p:grpSpPr>
+            <a:xfrm>
+              <a:off x="2946400" y="762000"/>
+              <a:ext cx="1752600" cy="1295400"/>
+              <a:chOff x="2946400" y="762000"/>
+              <a:chExt cx="1346200" cy="1016000"/>
+            </a:xfrm>
+          </p:grpSpPr>
+          <p:sp>
+            <p:nvSpPr>
+              <p:cNvPr id="29" name="Rectangle 28"/>
+              <p:cNvSpPr/>
+              <p:nvPr/>
+            </p:nvSpPr>
+            <p:spPr>
+              <a:xfrm>
+                <a:off x="2946400" y="762000"/>
+                <a:ext cx="1346200" cy="1016000"/>
+              </a:xfrm>
+              <a:prstGeom prst="rect">
+                <a:avLst/>
+              </a:prstGeom>
+              <a:solidFill>
+                <a:schemeClr val="accent1">
+                  <a:lumMod val="60000"/>
+                  <a:lumOff val="40000"/>
+                </a:schemeClr>
+              </a:solidFill>
+            </p:spPr>
+            <p:style>
+              <a:lnRef idx="2">
+                <a:schemeClr val="accent1">
+                  <a:shade val="50000"/>
+                </a:schemeClr>
+              </a:lnRef>
+              <a:fillRef idx="1">
+                <a:schemeClr val="accent1"/>
+              </a:fillRef>
+              <a:effectRef idx="0">
+                <a:schemeClr val="accent1"/>
+              </a:effectRef>
+              <a:fontRef idx="minor">
+                <a:schemeClr val="lt1"/>
+              </a:fontRef>
+            </p:style>
+            <p:txBody>
+              <a:bodyPr rtlCol="0" anchor="ctr"/>
+              <a:lstStyle/>
+              <a:p>
+                <a:pPr algn="ctr"/>
+                <a:endParaRPr lang="en-US" sz="1200"/>
+              </a:p>
+            </p:txBody>
+          </p:sp>
+          <p:sp>
+            <p:nvSpPr>
+              <p:cNvPr id="30" name="Rectangle 29"/>
+              <p:cNvSpPr/>
+              <p:nvPr/>
+            </p:nvSpPr>
+            <p:spPr>
+              <a:xfrm>
+                <a:off x="2946400" y="762000"/>
+                <a:ext cx="1346200" cy="266700"/>
+              </a:xfrm>
+              <a:prstGeom prst="rect">
+                <a:avLst/>
+              </a:prstGeom>
+            </p:spPr>
+            <p:style>
+              <a:lnRef idx="2">
+                <a:schemeClr val="accent1">
+                  <a:shade val="50000"/>
+                </a:schemeClr>
+              </a:lnRef>
+              <a:fillRef idx="1">
+                <a:schemeClr val="accent1"/>
+              </a:fillRef>
+              <a:effectRef idx="0">
+                <a:schemeClr val="accent1"/>
+              </a:effectRef>
+              <a:fontRef idx="minor">
+                <a:schemeClr val="lt1"/>
+              </a:fontRef>
+            </p:style>
+            <p:txBody>
+              <a:bodyPr rtlCol="0" anchor="ctr"/>
+              <a:lstStyle/>
+              <a:p>
+                <a:pPr algn="ctr"/>
+                <a:endParaRPr lang="en-US" sz="1200"/>
+              </a:p>
+            </p:txBody>
+          </p:sp>
+        </p:grpSp>
+        <p:sp>
+          <p:nvSpPr>
+            <p:cNvPr id="27" name="TextBox 26"/>
+            <p:cNvSpPr txBox="1"/>
+            <p:nvPr/>
+          </p:nvSpPr>
+          <p:spPr>
+            <a:xfrm>
+              <a:off x="3263900" y="725075"/>
+              <a:ext cx="1117600" cy="456356"/>
+            </a:xfrm>
+            <a:prstGeom prst="rect">
+              <a:avLst/>
+            </a:prstGeom>
+            <a:noFill/>
+          </p:spPr>
+          <p:txBody>
+            <a:bodyPr wrap="square" rtlCol="0">
+              <a:spAutoFit/>
+            </a:bodyPr>
+            <a:lstStyle/>
+            <a:p>
+              <a:pPr algn="ctr"/>
+              <a:r>
+                <a:rPr lang="en-US" sz="1200" dirty="0">
+                  <a:solidFill>
+                    <a:schemeClr val="bg1"/>
+                  </a:solidFill>
+                </a:rPr>
+                <a:t>9</a:t>
+              </a:r>
+            </a:p>
+          </p:txBody>
+        </p:sp>
+        <p:sp>
+          <p:nvSpPr>
+            <p:cNvPr id="28" name="TextBox 27"/>
+            <p:cNvSpPr txBox="1"/>
+            <p:nvPr/>
+          </p:nvSpPr>
+          <p:spPr>
+            <a:xfrm>
+              <a:off x="2946398" y="1059554"/>
+              <a:ext cx="1776461" cy="912713"/>
+            </a:xfrm>
+            <a:prstGeom prst="rect">
+              <a:avLst/>
+            </a:prstGeom>
+            <a:noFill/>
+          </p:spPr>
+          <p:txBody>
+            <a:bodyPr wrap="square" rtlCol="0">
+              <a:spAutoFit/>
+            </a:bodyPr>
+            <a:lstStyle/>
+            <a:p>
+              <a:pPr algn="ctr"/>
+              <a:r>
+                <a:rPr lang="en-US" sz="1000" dirty="0">
+                  <a:solidFill>
+                    <a:schemeClr val="bg1"/>
+                  </a:solidFill>
+                </a:rPr>
+                <a:t>Add, Updated, Delete Administrators</a:t>
+              </a:r>
+            </a:p>
+          </p:txBody>
+        </p:sp>
+      </p:grpSp>
+      <p:grpSp>
+        <p:nvGrpSpPr>
+          <p:cNvPr id="40" name="Group 39"/>
+          <p:cNvGrpSpPr/>
+          <p:nvPr/>
+        </p:nvGrpSpPr>
+        <p:grpSpPr>
+          <a:xfrm>
+            <a:off x="7721599" y="1691684"/>
+            <a:ext cx="2413001" cy="544396"/>
+            <a:chOff x="4851399" y="419684"/>
+            <a:chExt cx="2413001" cy="544396"/>
+          </a:xfrm>
+        </p:grpSpPr>
+        <p:sp>
+          <p:nvSpPr>
+            <p:cNvPr id="41" name="Rectangle 40"/>
+            <p:cNvSpPr/>
+            <p:nvPr/>
+          </p:nvSpPr>
+          <p:spPr>
+            <a:xfrm>
+              <a:off x="5384800" y="419685"/>
+              <a:ext cx="1879600" cy="544395"/>
+            </a:xfrm>
+            <a:prstGeom prst="rect">
+              <a:avLst/>
+            </a:prstGeom>
+            <a:solidFill>
+              <a:schemeClr val="accent1">
+                <a:lumMod val="60000"/>
+                <a:lumOff val="40000"/>
+              </a:schemeClr>
+            </a:solidFill>
+          </p:spPr>
+          <p:style>
+            <a:lnRef idx="2">
+              <a:schemeClr val="accent1">
+                <a:shade val="50000"/>
+              </a:schemeClr>
+            </a:lnRef>
+            <a:fillRef idx="1">
+              <a:schemeClr val="accent1"/>
+            </a:fillRef>
+            <a:effectRef idx="0">
+              <a:schemeClr val="accent1"/>
+            </a:effectRef>
+            <a:fontRef idx="minor">
+              <a:schemeClr val="lt1"/>
+            </a:fontRef>
+          </p:style>
+          <p:txBody>
+            <a:bodyPr rtlCol="0" anchor="ctr"/>
+            <a:lstStyle/>
+            <a:p>
+              <a:pPr algn="ctr"/>
+              <a:r>
+                <a:rPr lang="en-US" dirty="0" err="1"/>
+                <a:t>tblstudents</a:t>
+              </a:r>
+              <a:endParaRPr lang="en-US" dirty="0"/>
+            </a:p>
+          </p:txBody>
+        </p:sp>
+        <p:sp>
+          <p:nvSpPr>
+            <p:cNvPr id="42" name="Rectangle 41"/>
+            <p:cNvSpPr/>
+            <p:nvPr/>
+          </p:nvSpPr>
+          <p:spPr>
+            <a:xfrm>
+              <a:off x="4851399" y="419684"/>
+              <a:ext cx="533401" cy="544395"/>
+            </a:xfrm>
+            <a:prstGeom prst="rect">
+              <a:avLst/>
+            </a:prstGeom>
+          </p:spPr>
+          <p:style>
+            <a:lnRef idx="2">
+              <a:schemeClr val="accent1">
+                <a:shade val="50000"/>
+              </a:schemeClr>
+            </a:lnRef>
+            <a:fillRef idx="1">
+              <a:schemeClr val="accent1"/>
+            </a:fillRef>
+            <a:effectRef idx="0">
+              <a:schemeClr val="accent1"/>
+            </a:effectRef>
+            <a:fontRef idx="minor">
+              <a:schemeClr val="lt1"/>
+            </a:fontRef>
+          </p:style>
+          <p:txBody>
+            <a:bodyPr rtlCol="0" anchor="ctr"/>
+            <a:lstStyle/>
+            <a:p>
+              <a:pPr algn="ctr"/>
+              <a:r>
+                <a:rPr lang="en-US" dirty="0"/>
+                <a:t>T7</a:t>
+              </a:r>
+            </a:p>
+          </p:txBody>
+        </p:sp>
+      </p:grpSp>
+      <p:grpSp>
+        <p:nvGrpSpPr>
+          <p:cNvPr id="43" name="Group 42"/>
+          <p:cNvGrpSpPr/>
+          <p:nvPr/>
+        </p:nvGrpSpPr>
+        <p:grpSpPr>
+          <a:xfrm>
+            <a:off x="7721599" y="3013020"/>
+            <a:ext cx="2413001" cy="544396"/>
+            <a:chOff x="4851399" y="419684"/>
+            <a:chExt cx="2413001" cy="544396"/>
+          </a:xfrm>
+        </p:grpSpPr>
+        <p:sp>
+          <p:nvSpPr>
+            <p:cNvPr id="44" name="Rectangle 43"/>
+            <p:cNvSpPr/>
+            <p:nvPr/>
+          </p:nvSpPr>
+          <p:spPr>
+            <a:xfrm>
+              <a:off x="5384800" y="419685"/>
+              <a:ext cx="1879600" cy="544395"/>
+            </a:xfrm>
+            <a:prstGeom prst="rect">
+              <a:avLst/>
+            </a:prstGeom>
+            <a:solidFill>
+              <a:schemeClr val="accent1">
+                <a:lumMod val="60000"/>
+                <a:lumOff val="40000"/>
+              </a:schemeClr>
+            </a:solidFill>
+          </p:spPr>
+          <p:style>
+            <a:lnRef idx="2">
+              <a:schemeClr val="accent1">
+                <a:shade val="50000"/>
+              </a:schemeClr>
+            </a:lnRef>
+            <a:fillRef idx="1">
+              <a:schemeClr val="accent1"/>
+            </a:fillRef>
+            <a:effectRef idx="0">
+              <a:schemeClr val="accent1"/>
+            </a:effectRef>
+            <a:fontRef idx="minor">
+              <a:schemeClr val="lt1"/>
+            </a:fontRef>
+          </p:style>
+          <p:txBody>
+            <a:bodyPr rtlCol="0" anchor="ctr"/>
+            <a:lstStyle/>
+            <a:p>
+              <a:pPr algn="ctr"/>
+              <a:r>
+                <a:rPr lang="en-US" dirty="0" err="1"/>
+                <a:t>tbladministrators</a:t>
+              </a:r>
+              <a:endParaRPr lang="en-US" dirty="0"/>
+            </a:p>
+          </p:txBody>
+        </p:sp>
+        <p:sp>
+          <p:nvSpPr>
+            <p:cNvPr id="45" name="Rectangle 44"/>
+            <p:cNvSpPr/>
+            <p:nvPr/>
+          </p:nvSpPr>
+          <p:spPr>
+            <a:xfrm>
+              <a:off x="4851399" y="419684"/>
+              <a:ext cx="533401" cy="544395"/>
+            </a:xfrm>
+            <a:prstGeom prst="rect">
+              <a:avLst/>
+            </a:prstGeom>
+          </p:spPr>
+          <p:style>
+            <a:lnRef idx="2">
+              <a:schemeClr val="accent1">
+                <a:shade val="50000"/>
+              </a:schemeClr>
+            </a:lnRef>
+            <a:fillRef idx="1">
+              <a:schemeClr val="accent1"/>
+            </a:fillRef>
+            <a:effectRef idx="0">
+              <a:schemeClr val="accent1"/>
+            </a:effectRef>
+            <a:fontRef idx="minor">
+              <a:schemeClr val="lt1"/>
+            </a:fontRef>
+          </p:style>
+          <p:txBody>
+            <a:bodyPr rtlCol="0" anchor="ctr"/>
+            <a:lstStyle/>
+            <a:p>
+              <a:pPr algn="ctr"/>
+              <a:r>
+                <a:rPr lang="en-US" dirty="0"/>
+                <a:t>T8</a:t>
+              </a:r>
+            </a:p>
+          </p:txBody>
+        </p:sp>
+      </p:grpSp>
+      <p:cxnSp>
+        <p:nvCxnSpPr>
+          <p:cNvPr id="55" name="Elbow Connector 54"/>
+          <p:cNvCxnSpPr>
+            <a:cxnSpLocks/>
+            <a:stCxn id="28" idx="1"/>
+            <a:endCxn id="6" idx="2"/>
+          </p:cNvCxnSpPr>
+          <p:nvPr/>
+        </p:nvCxnSpPr>
+        <p:spPr>
+          <a:xfrm rot="10800000">
+            <a:off x="2717801" y="1256048"/>
+            <a:ext cx="1861957" cy="2098545"/>
+          </a:xfrm>
+          <a:prstGeom prst="bentConnector2">
+            <a:avLst/>
+          </a:prstGeom>
+          <a:ln>
+            <a:tailEnd type="triangle"/>
+          </a:ln>
+        </p:spPr>
+        <p:style>
+          <a:lnRef idx="3">
+            <a:schemeClr val="accent1"/>
+          </a:lnRef>
+          <a:fillRef idx="0">
+            <a:schemeClr val="accent1"/>
+          </a:fillRef>
+          <a:effectRef idx="2">
+            <a:schemeClr val="accent1"/>
+          </a:effectRef>
+          <a:fontRef idx="minor">
+            <a:schemeClr val="tx1"/>
+          </a:fontRef>
+        </p:style>
+      </p:cxnSp>
+      <p:sp>
+        <p:nvSpPr>
+          <p:cNvPr id="56" name="TextBox 55"/>
+          <p:cNvSpPr txBox="1"/>
+          <p:nvPr/>
+        </p:nvSpPr>
+        <p:spPr>
+          <a:xfrm>
+            <a:off x="2779883" y="3079864"/>
+            <a:ext cx="1833459" cy="276999"/>
+          </a:xfrm>
+          <a:prstGeom prst="rect">
+            <a:avLst/>
+          </a:prstGeom>
+          <a:noFill/>
+        </p:spPr>
+        <p:txBody>
+          <a:bodyPr wrap="square" rtlCol="0">
+            <a:spAutoFit/>
+          </a:bodyPr>
+          <a:lstStyle/>
+          <a:p>
+            <a:pPr algn="ctr"/>
+            <a:r>
+              <a:rPr lang="en-US" sz="1200" b="1" dirty="0">
+                <a:solidFill>
+                  <a:srgbClr val="5B9BD5"/>
+                </a:solidFill>
+              </a:rPr>
+              <a:t>VIEW ADMINISTRATORS</a:t>
+            </a:r>
+          </a:p>
+        </p:txBody>
+      </p:sp>
+      <p:cxnSp>
+        <p:nvCxnSpPr>
+          <p:cNvPr id="67" name="Straight Arrow Connector 66"/>
+          <p:cNvCxnSpPr>
+            <a:cxnSpLocks/>
+            <a:endCxn id="21" idx="0"/>
+          </p:cNvCxnSpPr>
+          <p:nvPr/>
+        </p:nvCxnSpPr>
+        <p:spPr>
+          <a:xfrm>
+            <a:off x="5063736" y="1047431"/>
+            <a:ext cx="228" cy="499118"/>
+          </a:xfrm>
+          <a:prstGeom prst="straightConnector1">
+            <a:avLst/>
+          </a:prstGeom>
+          <a:ln>
+            <a:tailEnd type="triangle"/>
+          </a:ln>
+        </p:spPr>
+        <p:style>
+          <a:lnRef idx="3">
+            <a:schemeClr val="accent1"/>
+          </a:lnRef>
+          <a:fillRef idx="0">
+            <a:schemeClr val="accent1"/>
+          </a:fillRef>
+          <a:effectRef idx="2">
+            <a:schemeClr val="accent1"/>
+          </a:effectRef>
+          <a:fontRef idx="minor">
+            <a:schemeClr val="tx1"/>
+          </a:fontRef>
+        </p:style>
+      </p:cxnSp>
+      <p:cxnSp>
+        <p:nvCxnSpPr>
+          <p:cNvPr id="68" name="Straight Arrow Connector 67"/>
+          <p:cNvCxnSpPr>
+            <a:stCxn id="23" idx="2"/>
+            <a:endCxn id="27" idx="0"/>
+          </p:cNvCxnSpPr>
+          <p:nvPr/>
+        </p:nvCxnSpPr>
+        <p:spPr>
+          <a:xfrm flipH="1">
+            <a:off x="5061155" y="2359814"/>
+            <a:ext cx="2809" cy="514757"/>
+          </a:xfrm>
+          <a:prstGeom prst="straightConnector1">
+            <a:avLst/>
+          </a:prstGeom>
+          <a:ln>
+            <a:tailEnd type="triangle"/>
+          </a:ln>
+        </p:spPr>
+        <p:style>
+          <a:lnRef idx="3">
+            <a:schemeClr val="accent1"/>
+          </a:lnRef>
+          <a:fillRef idx="0">
+            <a:schemeClr val="accent1"/>
+          </a:fillRef>
+          <a:effectRef idx="2">
+            <a:schemeClr val="accent1"/>
+          </a:effectRef>
+          <a:fontRef idx="minor">
+            <a:schemeClr val="tx1"/>
+          </a:fontRef>
+        </p:style>
+      </p:cxnSp>
+      <p:sp>
+        <p:nvSpPr>
+          <p:cNvPr id="70" name="TextBox 69"/>
+          <p:cNvSpPr txBox="1"/>
+          <p:nvPr/>
+        </p:nvSpPr>
+        <p:spPr>
+          <a:xfrm>
+            <a:off x="3833069" y="1183490"/>
+            <a:ext cx="1833459" cy="261610"/>
+          </a:xfrm>
+          <a:prstGeom prst="rect">
+            <a:avLst/>
+          </a:prstGeom>
+          <a:noFill/>
+        </p:spPr>
+        <p:txBody>
+          <a:bodyPr wrap="square" rtlCol="0">
+            <a:spAutoFit/>
+          </a:bodyPr>
+          <a:lstStyle/>
+          <a:p>
+            <a:pPr algn="r"/>
+            <a:r>
+              <a:rPr lang="en-US" sz="1050" b="1" dirty="0">
+                <a:solidFill>
+                  <a:srgbClr val="5B9BD5"/>
+                </a:solidFill>
+              </a:rPr>
+              <a:t>ACCESS</a:t>
+            </a:r>
+          </a:p>
+        </p:txBody>
+      </p:sp>
+      <p:sp>
+        <p:nvSpPr>
+          <p:cNvPr id="71" name="TextBox 70"/>
+          <p:cNvSpPr txBox="1"/>
+          <p:nvPr/>
+        </p:nvSpPr>
+        <p:spPr>
+          <a:xfrm>
+            <a:off x="3807669" y="2504290"/>
+            <a:ext cx="1833459" cy="261610"/>
+          </a:xfrm>
+          <a:prstGeom prst="rect">
+            <a:avLst/>
+          </a:prstGeom>
+          <a:noFill/>
+        </p:spPr>
+        <p:txBody>
+          <a:bodyPr wrap="square" rtlCol="0">
+            <a:spAutoFit/>
+          </a:bodyPr>
+          <a:lstStyle/>
+          <a:p>
+            <a:pPr algn="r"/>
+            <a:r>
+              <a:rPr lang="en-US" sz="1050" b="1" dirty="0">
+                <a:solidFill>
+                  <a:srgbClr val="5B9BD5"/>
+                </a:solidFill>
+              </a:rPr>
+              <a:t>ACCESS</a:t>
+            </a:r>
+          </a:p>
+        </p:txBody>
+      </p:sp>
+      <p:cxnSp>
+        <p:nvCxnSpPr>
+          <p:cNvPr id="73" name="Straight Arrow Connector 72"/>
+          <p:cNvCxnSpPr/>
+          <p:nvPr/>
+        </p:nvCxnSpPr>
+        <p:spPr>
+          <a:xfrm flipV="1">
+            <a:off x="5560190" y="1807482"/>
+            <a:ext cx="2161408" cy="1"/>
+          </a:xfrm>
+          <a:prstGeom prst="straightConnector1">
+            <a:avLst/>
+          </a:prstGeom>
+          <a:ln>
+            <a:tailEnd type="triangle"/>
+          </a:ln>
+        </p:spPr>
+        <p:style>
+          <a:lnRef idx="3">
+            <a:schemeClr val="accent1"/>
+          </a:lnRef>
+          <a:fillRef idx="0">
+            <a:schemeClr val="accent1"/>
+          </a:fillRef>
+          <a:effectRef idx="2">
+            <a:schemeClr val="accent1"/>
+          </a:effectRef>
+          <a:fontRef idx="minor">
+            <a:schemeClr val="tx1"/>
+          </a:fontRef>
+        </p:style>
+      </p:cxnSp>
+      <p:cxnSp>
+        <p:nvCxnSpPr>
+          <p:cNvPr id="74" name="Straight Arrow Connector 73"/>
+          <p:cNvCxnSpPr/>
+          <p:nvPr/>
+        </p:nvCxnSpPr>
+        <p:spPr>
+          <a:xfrm flipH="1" flipV="1">
+            <a:off x="5545898" y="2155144"/>
+            <a:ext cx="2161408" cy="1"/>
+          </a:xfrm>
+          <a:prstGeom prst="straightConnector1">
+            <a:avLst/>
+          </a:prstGeom>
+          <a:ln>
+            <a:tailEnd type="triangle"/>
+          </a:ln>
+        </p:spPr>
+        <p:style>
+          <a:lnRef idx="3">
+            <a:schemeClr val="accent1"/>
+          </a:lnRef>
+          <a:fillRef idx="0">
+            <a:schemeClr val="accent1"/>
+          </a:fillRef>
+          <a:effectRef idx="2">
+            <a:schemeClr val="accent1"/>
+          </a:effectRef>
+          <a:fontRef idx="minor">
+            <a:schemeClr val="tx1"/>
+          </a:fontRef>
+        </p:style>
+      </p:cxnSp>
+      <p:sp>
+        <p:nvSpPr>
+          <p:cNvPr id="75" name="TextBox 74"/>
+          <p:cNvSpPr txBox="1"/>
+          <p:nvPr/>
+        </p:nvSpPr>
+        <p:spPr>
+          <a:xfrm>
+            <a:off x="5662276" y="1570968"/>
+            <a:ext cx="1833459" cy="276999"/>
+          </a:xfrm>
+          <a:prstGeom prst="rect">
+            <a:avLst/>
+          </a:prstGeom>
+          <a:noFill/>
+        </p:spPr>
+        <p:txBody>
+          <a:bodyPr wrap="square" rtlCol="0">
+            <a:spAutoFit/>
+          </a:bodyPr>
+          <a:lstStyle/>
+          <a:p>
+            <a:pPr algn="ctr"/>
+            <a:r>
+              <a:rPr lang="en-US" sz="1200" b="1" dirty="0">
+                <a:solidFill>
+                  <a:srgbClr val="5B9BD5"/>
+                </a:solidFill>
+              </a:rPr>
+              <a:t>DATA</a:t>
+            </a:r>
+          </a:p>
+        </p:txBody>
+      </p:sp>
+      <p:sp>
+        <p:nvSpPr>
+          <p:cNvPr id="76" name="TextBox 75"/>
+          <p:cNvSpPr txBox="1"/>
+          <p:nvPr/>
+        </p:nvSpPr>
+        <p:spPr>
+          <a:xfrm>
+            <a:off x="5662276" y="1903370"/>
+            <a:ext cx="1833459" cy="276999"/>
+          </a:xfrm>
+          <a:prstGeom prst="rect">
+            <a:avLst/>
+          </a:prstGeom>
+          <a:noFill/>
+        </p:spPr>
+        <p:txBody>
+          <a:bodyPr wrap="square" rtlCol="0">
+            <a:spAutoFit/>
+          </a:bodyPr>
+          <a:lstStyle/>
+          <a:p>
+            <a:pPr algn="ctr"/>
+            <a:r>
+              <a:rPr lang="en-US" sz="1200" b="1" dirty="0">
+                <a:solidFill>
+                  <a:srgbClr val="5B9BD5"/>
+                </a:solidFill>
+              </a:rPr>
+              <a:t>DETAILS</a:t>
+            </a:r>
+          </a:p>
+        </p:txBody>
+      </p:sp>
+      <p:cxnSp>
+        <p:nvCxnSpPr>
+          <p:cNvPr id="77" name="Straight Arrow Connector 76"/>
+          <p:cNvCxnSpPr/>
+          <p:nvPr/>
+        </p:nvCxnSpPr>
+        <p:spPr>
+          <a:xfrm flipV="1">
+            <a:off x="5547083" y="3146440"/>
+            <a:ext cx="2161408" cy="1"/>
+          </a:xfrm>
+          <a:prstGeom prst="straightConnector1">
+            <a:avLst/>
+          </a:prstGeom>
+          <a:ln>
+            <a:tailEnd type="triangle"/>
+          </a:ln>
+        </p:spPr>
+        <p:style>
+          <a:lnRef idx="3">
+            <a:schemeClr val="accent1"/>
+          </a:lnRef>
+          <a:fillRef idx="0">
+            <a:schemeClr val="accent1"/>
+          </a:fillRef>
+          <a:effectRef idx="2">
+            <a:schemeClr val="accent1"/>
+          </a:effectRef>
+          <a:fontRef idx="minor">
+            <a:schemeClr val="tx1"/>
+          </a:fontRef>
+        </p:style>
+      </p:cxnSp>
+      <p:cxnSp>
+        <p:nvCxnSpPr>
+          <p:cNvPr id="78" name="Straight Arrow Connector 77"/>
+          <p:cNvCxnSpPr/>
+          <p:nvPr/>
+        </p:nvCxnSpPr>
+        <p:spPr>
+          <a:xfrm flipH="1" flipV="1">
+            <a:off x="5532791" y="3494102"/>
+            <a:ext cx="2161408" cy="1"/>
+          </a:xfrm>
+          <a:prstGeom prst="straightConnector1">
+            <a:avLst/>
+          </a:prstGeom>
+          <a:ln>
+            <a:tailEnd type="triangle"/>
+          </a:ln>
+        </p:spPr>
+        <p:style>
+          <a:lnRef idx="3">
+            <a:schemeClr val="accent1"/>
+          </a:lnRef>
+          <a:fillRef idx="0">
+            <a:schemeClr val="accent1"/>
+          </a:fillRef>
+          <a:effectRef idx="2">
+            <a:schemeClr val="accent1"/>
+          </a:effectRef>
+          <a:fontRef idx="minor">
+            <a:schemeClr val="tx1"/>
+          </a:fontRef>
+        </p:style>
+      </p:cxnSp>
+      <p:sp>
+        <p:nvSpPr>
+          <p:cNvPr id="79" name="TextBox 78"/>
+          <p:cNvSpPr txBox="1"/>
+          <p:nvPr/>
+        </p:nvSpPr>
+        <p:spPr>
+          <a:xfrm>
+            <a:off x="5649169" y="2909926"/>
+            <a:ext cx="1833459" cy="276999"/>
+          </a:xfrm>
+          <a:prstGeom prst="rect">
+            <a:avLst/>
+          </a:prstGeom>
+          <a:noFill/>
+        </p:spPr>
+        <p:txBody>
+          <a:bodyPr wrap="square" rtlCol="0">
+            <a:spAutoFit/>
+          </a:bodyPr>
+          <a:lstStyle/>
+          <a:p>
+            <a:pPr algn="ctr"/>
+            <a:r>
+              <a:rPr lang="en-US" sz="1200" b="1" dirty="0">
+                <a:solidFill>
+                  <a:srgbClr val="5B9BD5"/>
+                </a:solidFill>
+              </a:rPr>
+              <a:t>DATA</a:t>
+            </a:r>
+          </a:p>
+        </p:txBody>
+      </p:sp>
+      <p:sp>
+        <p:nvSpPr>
+          <p:cNvPr id="80" name="TextBox 79"/>
+          <p:cNvSpPr txBox="1"/>
+          <p:nvPr/>
+        </p:nvSpPr>
+        <p:spPr>
+          <a:xfrm>
+            <a:off x="5649169" y="3242328"/>
+            <a:ext cx="1833459" cy="276999"/>
+          </a:xfrm>
+          <a:prstGeom prst="rect">
+            <a:avLst/>
+          </a:prstGeom>
+          <a:noFill/>
+        </p:spPr>
+        <p:txBody>
+          <a:bodyPr wrap="square" rtlCol="0">
+            <a:spAutoFit/>
+          </a:bodyPr>
+          <a:lstStyle/>
+          <a:p>
+            <a:pPr algn="ctr"/>
+            <a:r>
+              <a:rPr lang="en-US" sz="1200" b="1" dirty="0">
+                <a:solidFill>
+                  <a:srgbClr val="5B9BD5"/>
+                </a:solidFill>
+              </a:rPr>
+              <a:t>DETAILS</a:t>
+            </a:r>
+          </a:p>
+        </p:txBody>
+      </p:sp>
+      <p:cxnSp>
+        <p:nvCxnSpPr>
+          <p:cNvPr id="89" name="Elbow Connector 88"/>
+          <p:cNvCxnSpPr>
+            <a:cxnSpLocks/>
+            <a:stCxn id="22" idx="1"/>
+            <a:endCxn id="6" idx="2"/>
+          </p:cNvCxnSpPr>
+          <p:nvPr/>
+        </p:nvCxnSpPr>
+        <p:spPr>
+          <a:xfrm rot="10800000">
+            <a:off x="2717801" y="1256047"/>
+            <a:ext cx="1868647" cy="806472"/>
+          </a:xfrm>
+          <a:prstGeom prst="bentConnector2">
+            <a:avLst/>
+          </a:prstGeom>
+          <a:ln>
+            <a:tailEnd type="triangle"/>
+          </a:ln>
+        </p:spPr>
+        <p:style>
+          <a:lnRef idx="3">
+            <a:schemeClr val="accent1"/>
+          </a:lnRef>
+          <a:fillRef idx="0">
+            <a:schemeClr val="accent1"/>
+          </a:fillRef>
+          <a:effectRef idx="2">
+            <a:schemeClr val="accent1"/>
+          </a:effectRef>
+          <a:fontRef idx="minor">
+            <a:schemeClr val="tx1"/>
+          </a:fontRef>
+        </p:style>
+      </p:cxnSp>
+      <p:sp>
+        <p:nvSpPr>
+          <p:cNvPr id="90" name="TextBox 89"/>
+          <p:cNvSpPr txBox="1"/>
+          <p:nvPr/>
+        </p:nvSpPr>
+        <p:spPr>
+          <a:xfrm>
+            <a:off x="2791904" y="1773878"/>
+            <a:ext cx="1833459" cy="276999"/>
+          </a:xfrm>
+          <a:prstGeom prst="rect">
+            <a:avLst/>
+          </a:prstGeom>
+          <a:noFill/>
+        </p:spPr>
+        <p:txBody>
+          <a:bodyPr wrap="square" rtlCol="0">
+            <a:spAutoFit/>
+          </a:bodyPr>
+          <a:lstStyle/>
+          <a:p>
+            <a:pPr algn="ctr"/>
+            <a:r>
+              <a:rPr lang="en-US" sz="1200" b="1" dirty="0">
+                <a:solidFill>
+                  <a:srgbClr val="5B9BD5"/>
+                </a:solidFill>
+              </a:rPr>
+              <a:t>VIEW STUDENTS</a:t>
+            </a:r>
+          </a:p>
+        </p:txBody>
+      </p:sp>
+    </p:spTree>
+    <p:extLst>
+      <p:ext uri="{BB962C8B-B14F-4D97-AF65-F5344CB8AC3E}">
+        <p14:creationId xmlns:p14="http://schemas.microsoft.com/office/powerpoint/2010/main" val="640174291"/>
       </p:ext>
     </p:extLst>
   </p:cSld>
